--- a/Hira samihafa/SA Krismary 2024/Arahaba.pptx
+++ b/Hira samihafa/SA Krismary 2024/Arahaba.pptx
@@ -106,6 +106,11 @@
       </a:defRPr>
     </a:lvl9pPr>
   </p:defaultTextStyle>
+  <p:extLst>
+    <p:ext uri="{EFAFB233-063F-42B5-8137-9DF3F51BA10A}">
+      <p15:sldGuideLst xmlns:p15="http://schemas.microsoft.com/office/powerpoint/2012/main"/>
+    </p:ext>
+  </p:extLst>
 </p:presentation>
 </file>
 
@@ -240,7 +245,7 @@
           <a:p>
             <a:fld id="{24A782DF-5639-4000-AEA4-8ADDFFDF8BC3}" type="datetimeFigureOut">
               <a:rPr lang="fr-FR" smtClean="0"/>
-              <a:t>30/11/2024</a:t>
+              <a:t>14/12/2024</a:t>
             </a:fld>
             <a:endParaRPr lang="fr-FR"/>
           </a:p>
@@ -410,7 +415,7 @@
           <a:p>
             <a:fld id="{24A782DF-5639-4000-AEA4-8ADDFFDF8BC3}" type="datetimeFigureOut">
               <a:rPr lang="fr-FR" smtClean="0"/>
-              <a:t>30/11/2024</a:t>
+              <a:t>14/12/2024</a:t>
             </a:fld>
             <a:endParaRPr lang="fr-FR"/>
           </a:p>
@@ -590,7 +595,7 @@
           <a:p>
             <a:fld id="{24A782DF-5639-4000-AEA4-8ADDFFDF8BC3}" type="datetimeFigureOut">
               <a:rPr lang="fr-FR" smtClean="0"/>
-              <a:t>30/11/2024</a:t>
+              <a:t>14/12/2024</a:t>
             </a:fld>
             <a:endParaRPr lang="fr-FR"/>
           </a:p>
@@ -760,7 +765,7 @@
           <a:p>
             <a:fld id="{24A782DF-5639-4000-AEA4-8ADDFFDF8BC3}" type="datetimeFigureOut">
               <a:rPr lang="fr-FR" smtClean="0"/>
-              <a:t>30/11/2024</a:t>
+              <a:t>14/12/2024</a:t>
             </a:fld>
             <a:endParaRPr lang="fr-FR"/>
           </a:p>
@@ -1006,7 +1011,7 @@
           <a:p>
             <a:fld id="{24A782DF-5639-4000-AEA4-8ADDFFDF8BC3}" type="datetimeFigureOut">
               <a:rPr lang="fr-FR" smtClean="0"/>
-              <a:t>30/11/2024</a:t>
+              <a:t>14/12/2024</a:t>
             </a:fld>
             <a:endParaRPr lang="fr-FR"/>
           </a:p>
@@ -1238,7 +1243,7 @@
           <a:p>
             <a:fld id="{24A782DF-5639-4000-AEA4-8ADDFFDF8BC3}" type="datetimeFigureOut">
               <a:rPr lang="fr-FR" smtClean="0"/>
-              <a:t>30/11/2024</a:t>
+              <a:t>14/12/2024</a:t>
             </a:fld>
             <a:endParaRPr lang="fr-FR"/>
           </a:p>
@@ -1605,7 +1610,7 @@
           <a:p>
             <a:fld id="{24A782DF-5639-4000-AEA4-8ADDFFDF8BC3}" type="datetimeFigureOut">
               <a:rPr lang="fr-FR" smtClean="0"/>
-              <a:t>30/11/2024</a:t>
+              <a:t>14/12/2024</a:t>
             </a:fld>
             <a:endParaRPr lang="fr-FR"/>
           </a:p>
@@ -1723,7 +1728,7 @@
           <a:p>
             <a:fld id="{24A782DF-5639-4000-AEA4-8ADDFFDF8BC3}" type="datetimeFigureOut">
               <a:rPr lang="fr-FR" smtClean="0"/>
-              <a:t>30/11/2024</a:t>
+              <a:t>14/12/2024</a:t>
             </a:fld>
             <a:endParaRPr lang="fr-FR"/>
           </a:p>
@@ -1818,7 +1823,7 @@
           <a:p>
             <a:fld id="{24A782DF-5639-4000-AEA4-8ADDFFDF8BC3}" type="datetimeFigureOut">
               <a:rPr lang="fr-FR" smtClean="0"/>
-              <a:t>30/11/2024</a:t>
+              <a:t>14/12/2024</a:t>
             </a:fld>
             <a:endParaRPr lang="fr-FR"/>
           </a:p>
@@ -2095,7 +2100,7 @@
           <a:p>
             <a:fld id="{24A782DF-5639-4000-AEA4-8ADDFFDF8BC3}" type="datetimeFigureOut">
               <a:rPr lang="fr-FR" smtClean="0"/>
-              <a:t>30/11/2024</a:t>
+              <a:t>14/12/2024</a:t>
             </a:fld>
             <a:endParaRPr lang="fr-FR"/>
           </a:p>
@@ -2348,7 +2353,7 @@
           <a:p>
             <a:fld id="{24A782DF-5639-4000-AEA4-8ADDFFDF8BC3}" type="datetimeFigureOut">
               <a:rPr lang="fr-FR" smtClean="0"/>
-              <a:t>30/11/2024</a:t>
+              <a:t>14/12/2024</a:t>
             </a:fld>
             <a:endParaRPr lang="fr-FR"/>
           </a:p>
@@ -2561,7 +2566,7 @@
           <a:p>
             <a:fld id="{24A782DF-5639-4000-AEA4-8ADDFFDF8BC3}" type="datetimeFigureOut">
               <a:rPr lang="fr-FR" smtClean="0"/>
-              <a:t>30/11/2024</a:t>
+              <a:t>14/12/2024</a:t>
             </a:fld>
             <a:endParaRPr lang="fr-FR"/>
           </a:p>
@@ -3439,6 +3444,13 @@
   <p:clrMapOvr>
     <a:masterClrMapping/>
   </p:clrMapOvr>
+  <p:timing>
+    <p:tnLst>
+      <p:par>
+        <p:cTn id="1" dur="indefinite" restart="never" nodeType="tmRoot"/>
+      </p:par>
+    </p:tnLst>
+  </p:timing>
 </p:sld>
 </file>
 
@@ -3802,32 +3814,44 @@
               </a:rPr>
               <a:t> </a:t>
             </a:r>
+            <a:r>
+              <a:rPr lang="fr-FR" sz="7200" b="1" dirty="0" err="1" smtClean="0">
+                <a:effectLst>
+                  <a:outerShdw blurRad="38100" dist="38100" dir="2700000" algn="tl">
+                    <a:srgbClr val="000000">
+                      <a:alpha val="43137"/>
+                    </a:srgbClr>
+                  </a:outerShdw>
+                </a:effectLst>
+              </a:rPr>
+              <a:t>ny</a:t>
+            </a:r>
+            <a:r>
+              <a:rPr lang="fr-FR" sz="7200" b="1" smtClean="0">
+                <a:effectLst>
+                  <a:outerShdw blurRad="38100" dist="38100" dir="2700000" algn="tl">
+                    <a:srgbClr val="000000">
+                      <a:alpha val="43137"/>
+                    </a:srgbClr>
+                  </a:outerShdw>
+                </a:effectLst>
+              </a:rPr>
+              <a:t> </a:t>
+            </a:r>
           </a:p>
           <a:p>
             <a:pPr algn="ctr"/>
             <a:r>
-              <a:rPr lang="fr-FR" sz="7200" b="1" dirty="0" err="1" smtClean="0">
-                <a:effectLst>
-                  <a:outerShdw blurRad="38100" dist="38100" dir="2700000" algn="tl">
-                    <a:srgbClr val="000000">
-                      <a:alpha val="43137"/>
-                    </a:srgbClr>
-                  </a:outerShdw>
-                </a:effectLst>
-              </a:rPr>
-              <a:t>ny</a:t>
-            </a:r>
-            <a:r>
-              <a:rPr lang="fr-FR" sz="7200" b="1" dirty="0" smtClean="0">
-                <a:effectLst>
-                  <a:outerShdw blurRad="38100" dist="38100" dir="2700000" algn="tl">
-                    <a:srgbClr val="000000">
-                      <a:alpha val="43137"/>
-                    </a:srgbClr>
-                  </a:outerShdw>
-                </a:effectLst>
-              </a:rPr>
-              <a:t> "</a:t>
+              <a:rPr lang="fr-FR" sz="7200" b="1" smtClean="0">
+                <a:effectLst>
+                  <a:outerShdw blurRad="38100" dist="38100" dir="2700000" algn="tl">
+                    <a:srgbClr val="000000">
+                      <a:alpha val="43137"/>
+                    </a:srgbClr>
+                  </a:outerShdw>
+                </a:effectLst>
+              </a:rPr>
+              <a:t>"</a:t>
             </a:r>
             <a:r>
               <a:rPr lang="fr-FR" sz="7200" b="1" dirty="0" err="1" smtClean="0">
@@ -3923,6 +3947,13 @@
   <p:clrMapOvr>
     <a:masterClrMapping/>
   </p:clrMapOvr>
+  <p:timing>
+    <p:tnLst>
+      <p:par>
+        <p:cTn id="1" dur="indefinite" restart="never" nodeType="tmRoot"/>
+      </p:par>
+    </p:tnLst>
+  </p:timing>
 </p:sld>
 </file>
 
